--- a/1HUST-Theme-PPT/v1留边16-9.pptx
+++ b/1HUST-Theme-PPT/v1留边16-9.pptx
@@ -204,7 +204,7 @@
           <a:p>
             <a:fld id="{BDA51940-DB52-3B48-AABB-9C7938529E4E}" type="datetimeFigureOut">
               <a:rPr kumimoji="1" lang="zh-CN" altLang="en-US" smtClean="0"/>
-              <a:t>2026/1/18</a:t>
+              <a:t>2026/1/21</a:t>
             </a:fld>
             <a:endParaRPr kumimoji="1" lang="zh-CN" altLang="en-US"/>
           </a:p>
@@ -891,7 +891,7 @@
             </a:pPr>
             <a:fld id="{E4551058-E5DB-324A-A8E9-6D3BEF243C3B}" type="datetimeFigureOut">
               <a:rPr kumimoji="1" lang="zh-CN" altLang="en-US" smtClean="0"/>
-              <a:t>2026/1/18</a:t>
+              <a:t>2026/1/21</a:t>
             </a:fld>
             <a:endParaRPr kumimoji="1" lang="zh-CN" altLang="en-US"/>
           </a:p>
@@ -1276,7 +1276,7 @@
             </a:pPr>
             <a:fld id="{E4551058-E5DB-324A-A8E9-6D3BEF243C3B}" type="datetimeFigureOut">
               <a:rPr kumimoji="1" lang="zh-CN" altLang="en-US" smtClean="0"/>
-              <a:t>2026/1/18</a:t>
+              <a:t>2026/1/21</a:t>
             </a:fld>
             <a:endParaRPr kumimoji="1" lang="zh-CN" altLang="en-US"/>
           </a:p>
@@ -1616,7 +1616,7 @@
             </a:pPr>
             <a:fld id="{E4551058-E5DB-324A-A8E9-6D3BEF243C3B}" type="datetimeFigureOut">
               <a:rPr kumimoji="1" lang="zh-CN" altLang="en-US" smtClean="0"/>
-              <a:t>2026/1/18</a:t>
+              <a:t>2026/1/21</a:t>
             </a:fld>
             <a:endParaRPr kumimoji="1" lang="zh-CN" altLang="en-US"/>
           </a:p>
@@ -1957,7 +1957,7 @@
             </a:pPr>
             <a:fld id="{E4551058-E5DB-324A-A8E9-6D3BEF243C3B}" type="datetimeFigureOut">
               <a:rPr kumimoji="1" lang="zh-CN" altLang="en-US" smtClean="0"/>
-              <a:t>2026/1/18</a:t>
+              <a:t>2026/1/21</a:t>
             </a:fld>
             <a:endParaRPr kumimoji="1" lang="zh-CN" altLang="en-US"/>
           </a:p>
@@ -2283,7 +2283,7 @@
             </a:pPr>
             <a:fld id="{E4551058-E5DB-324A-A8E9-6D3BEF243C3B}" type="datetimeFigureOut">
               <a:rPr kumimoji="1" lang="zh-CN" altLang="en-US" smtClean="0"/>
-              <a:t>2026/1/18</a:t>
+              <a:t>2026/1/21</a:t>
             </a:fld>
             <a:endParaRPr kumimoji="1" lang="zh-CN" altLang="en-US"/>
           </a:p>
@@ -2635,7 +2635,7 @@
             </a:pPr>
             <a:fld id="{E4551058-E5DB-324A-A8E9-6D3BEF243C3B}" type="datetimeFigureOut">
               <a:rPr kumimoji="1" lang="zh-CN" altLang="en-US" smtClean="0"/>
-              <a:t>2026/1/18</a:t>
+              <a:t>2026/1/21</a:t>
             </a:fld>
             <a:endParaRPr kumimoji="1" lang="zh-CN" altLang="en-US"/>
           </a:p>
@@ -3245,7 +3245,7 @@
             </a:pPr>
             <a:fld id="{E4551058-E5DB-324A-A8E9-6D3BEF243C3B}" type="datetimeFigureOut">
               <a:rPr kumimoji="1" lang="zh-CN" altLang="en-US" smtClean="0"/>
-              <a:t>2026/1/18</a:t>
+              <a:t>2026/1/21</a:t>
             </a:fld>
             <a:endParaRPr kumimoji="1" lang="zh-CN" altLang="en-US"/>
           </a:p>
@@ -3629,7 +3629,7 @@
             </a:pPr>
             <a:fld id="{E4551058-E5DB-324A-A8E9-6D3BEF243C3B}" type="datetimeFigureOut">
               <a:rPr kumimoji="1" lang="zh-CN" altLang="en-US" smtClean="0"/>
-              <a:t>2026/1/18</a:t>
+              <a:t>2026/1/21</a:t>
             </a:fld>
             <a:endParaRPr kumimoji="1" lang="zh-CN" altLang="en-US"/>
           </a:p>
@@ -4140,7 +4140,7 @@
             </a:pPr>
             <a:fld id="{E4551058-E5DB-324A-A8E9-6D3BEF243C3B}" type="datetimeFigureOut">
               <a:rPr kumimoji="1" lang="zh-CN" altLang="en-US" smtClean="0"/>
-              <a:t>2026/1/18</a:t>
+              <a:t>2026/1/21</a:t>
             </a:fld>
             <a:endParaRPr kumimoji="1" lang="zh-CN" altLang="en-US"/>
           </a:p>
@@ -4307,7 +4307,7 @@
             </a:pPr>
             <a:fld id="{E4551058-E5DB-324A-A8E9-6D3BEF243C3B}" type="datetimeFigureOut">
               <a:rPr kumimoji="1" lang="zh-CN" altLang="en-US" smtClean="0"/>
-              <a:t>2026/1/18</a:t>
+              <a:t>2026/1/21</a:t>
             </a:fld>
             <a:endParaRPr kumimoji="1" lang="zh-CN" altLang="en-US"/>
           </a:p>
@@ -4474,7 +4474,7 @@
             </a:pPr>
             <a:fld id="{E4551058-E5DB-324A-A8E9-6D3BEF243C3B}" type="datetimeFigureOut">
               <a:rPr kumimoji="1" lang="zh-CN" altLang="en-US" smtClean="0"/>
-              <a:t>2026/1/18</a:t>
+              <a:t>2026/1/21</a:t>
             </a:fld>
             <a:endParaRPr kumimoji="1" lang="zh-CN" altLang="en-US"/>
           </a:p>
@@ -5067,7 +5067,7 @@
             </a:pPr>
             <a:fld id="{E4551058-E5DB-324A-A8E9-6D3BEF243C3B}" type="datetimeFigureOut">
               <a:rPr kumimoji="1" lang="zh-CN" altLang="en-US" smtClean="0"/>
-              <a:t>2026/1/18</a:t>
+              <a:t>2026/1/21</a:t>
             </a:fld>
             <a:endParaRPr kumimoji="1" lang="zh-CN" altLang="en-US"/>
           </a:p>
@@ -5540,7 +5540,7 @@
             </a:pPr>
             <a:fld id="{E4551058-E5DB-324A-A8E9-6D3BEF243C3B}" type="datetimeFigureOut">
               <a:rPr kumimoji="1" lang="zh-CN" altLang="en-US" smtClean="0"/>
-              <a:t>2026/1/18</a:t>
+              <a:t>2026/1/21</a:t>
             </a:fld>
             <a:endParaRPr kumimoji="1" lang="zh-CN" altLang="en-US"/>
           </a:p>
@@ -6149,7 +6149,7 @@
         </p:nvSpPr>
         <p:spPr>
           <a:ln>
-            <a:solidFill/>
+            <a:noFill/>
           </a:ln>
         </p:spPr>
         <p:txBody>
@@ -6216,7 +6216,7 @@
         </p:nvSpPr>
         <p:spPr>
           <a:ln>
-            <a:solidFill/>
+            <a:noFill/>
           </a:ln>
         </p:spPr>
         <p:txBody>
@@ -6351,7 +6351,7 @@
         </p:nvSpPr>
         <p:spPr>
           <a:ln>
-            <a:solidFill/>
+            <a:noFill/>
           </a:ln>
         </p:spPr>
         <p:txBody>
@@ -6390,7 +6390,7 @@
         </p:nvSpPr>
         <p:spPr>
           <a:ln>
-            <a:solidFill/>
+            <a:noFill/>
           </a:ln>
         </p:spPr>
         <p:txBody>
@@ -6507,7 +6507,7 @@
         </p:nvSpPr>
         <p:spPr>
           <a:ln>
-            <a:solidFill/>
+            <a:noFill/>
           </a:ln>
         </p:spPr>
         <p:txBody>
@@ -6686,7 +6686,7 @@
         </p:nvSpPr>
         <p:spPr>
           <a:ln>
-            <a:solidFill/>
+            <a:noFill/>
           </a:ln>
         </p:spPr>
         <p:txBody>
@@ -6761,7 +6761,7 @@
         </p:nvSpPr>
         <p:spPr>
           <a:ln>
-            <a:solidFill/>
+            <a:noFill/>
           </a:ln>
         </p:spPr>
         <p:txBody>
@@ -6801,7 +6801,7 @@
         </p:nvSpPr>
         <p:spPr>
           <a:ln>
-            <a:solidFill/>
+            <a:noFill/>
           </a:ln>
         </p:spPr>
         <p:txBody>
@@ -6907,7 +6907,7 @@
         </p:nvSpPr>
         <p:spPr>
           <a:ln>
-            <a:solidFill/>
+            <a:noFill/>
           </a:ln>
         </p:spPr>
         <p:txBody>
@@ -6947,7 +6947,7 @@
         </p:nvSpPr>
         <p:spPr>
           <a:ln>
-            <a:solidFill/>
+            <a:noFill/>
           </a:ln>
         </p:spPr>
         <p:txBody>
@@ -7092,7 +7092,7 @@
         </p:nvSpPr>
         <p:spPr>
           <a:ln>
-            <a:solidFill/>
+            <a:noFill/>
           </a:ln>
         </p:spPr>
         <p:txBody>
@@ -7167,7 +7167,7 @@
         </p:nvSpPr>
         <p:spPr>
           <a:ln>
-            <a:solidFill/>
+            <a:noFill/>
           </a:ln>
         </p:spPr>
         <p:txBody>
@@ -7206,7 +7206,7 @@
         </p:nvSpPr>
         <p:spPr>
           <a:ln>
-            <a:solidFill/>
+            <a:noFill/>
           </a:ln>
         </p:spPr>
         <p:txBody>
@@ -7281,7 +7281,7 @@
         </p:nvSpPr>
         <p:spPr>
           <a:ln>
-            <a:solidFill/>
+            <a:noFill/>
           </a:ln>
         </p:spPr>
         <p:txBody>
@@ -7320,7 +7320,7 @@
         </p:nvSpPr>
         <p:spPr>
           <a:ln>
-            <a:solidFill/>
+            <a:noFill/>
           </a:ln>
         </p:spPr>
         <p:txBody>
@@ -7402,7 +7402,7 @@
         </p:nvSpPr>
         <p:spPr>
           <a:ln>
-            <a:solidFill/>
+            <a:noFill/>
           </a:ln>
         </p:spPr>
         <p:txBody>
@@ -7463,7 +7463,7 @@
         </p:nvSpPr>
         <p:spPr>
           <a:ln>
-            <a:solidFill/>
+            <a:noFill/>
           </a:ln>
         </p:spPr>
         <p:txBody>
@@ -7538,7 +7538,7 @@
         </p:nvSpPr>
         <p:spPr>
           <a:ln>
-            <a:solidFill/>
+            <a:noFill/>
           </a:ln>
         </p:spPr>
         <p:txBody>
@@ -7577,7 +7577,7 @@
         </p:nvSpPr>
         <p:spPr>
           <a:ln>
-            <a:solidFill/>
+            <a:noFill/>
           </a:ln>
         </p:spPr>
         <p:txBody>
